--- a/algorithm/electricity/03_denki-koujishi/01_kakomon/R1_1/02_jitsugi/q11/a11.pptx
+++ b/algorithm/electricity/03_denki-koujishi/01_kakomon/R1_1/02_jitsugi/q11/a11.pptx
@@ -268,7 +268,7 @@
           <a:p>
             <a:fld id="{EA6D781E-2D27-4EF7-AFED-D0940E0D7738}" type="datetimeFigureOut">
               <a:rPr kumimoji="1" lang="ja-JP" altLang="en-US" smtClean="0"/>
-              <a:t>2020/11/23</a:t>
+              <a:t>2020/11/29</a:t>
             </a:fld>
             <a:endParaRPr kumimoji="1" lang="ja-JP" altLang="en-US"/>
           </a:p>
@@ -498,7 +498,7 @@
           <a:p>
             <a:fld id="{EA6D781E-2D27-4EF7-AFED-D0940E0D7738}" type="datetimeFigureOut">
               <a:rPr kumimoji="1" lang="ja-JP" altLang="en-US" smtClean="0"/>
-              <a:t>2020/11/23</a:t>
+              <a:t>2020/11/29</a:t>
             </a:fld>
             <a:endParaRPr kumimoji="1" lang="ja-JP" altLang="en-US"/>
           </a:p>
@@ -738,7 +738,7 @@
           <a:p>
             <a:fld id="{EA6D781E-2D27-4EF7-AFED-D0940E0D7738}" type="datetimeFigureOut">
               <a:rPr kumimoji="1" lang="ja-JP" altLang="en-US" smtClean="0"/>
-              <a:t>2020/11/23</a:t>
+              <a:t>2020/11/29</a:t>
             </a:fld>
             <a:endParaRPr kumimoji="1" lang="ja-JP" altLang="en-US"/>
           </a:p>
@@ -968,7 +968,7 @@
           <a:p>
             <a:fld id="{EA6D781E-2D27-4EF7-AFED-D0940E0D7738}" type="datetimeFigureOut">
               <a:rPr kumimoji="1" lang="ja-JP" altLang="en-US" smtClean="0"/>
-              <a:t>2020/11/23</a:t>
+              <a:t>2020/11/29</a:t>
             </a:fld>
             <a:endParaRPr kumimoji="1" lang="ja-JP" altLang="en-US"/>
           </a:p>
@@ -1243,7 +1243,7 @@
           <a:p>
             <a:fld id="{EA6D781E-2D27-4EF7-AFED-D0940E0D7738}" type="datetimeFigureOut">
               <a:rPr kumimoji="1" lang="ja-JP" altLang="en-US" smtClean="0"/>
-              <a:t>2020/11/23</a:t>
+              <a:t>2020/11/29</a:t>
             </a:fld>
             <a:endParaRPr kumimoji="1" lang="ja-JP" altLang="en-US"/>
           </a:p>
@@ -1572,7 +1572,7 @@
           <a:p>
             <a:fld id="{EA6D781E-2D27-4EF7-AFED-D0940E0D7738}" type="datetimeFigureOut">
               <a:rPr kumimoji="1" lang="ja-JP" altLang="en-US" smtClean="0"/>
-              <a:t>2020/11/23</a:t>
+              <a:t>2020/11/29</a:t>
             </a:fld>
             <a:endParaRPr kumimoji="1" lang="ja-JP" altLang="en-US"/>
           </a:p>
@@ -2048,7 +2048,7 @@
           <a:p>
             <a:fld id="{EA6D781E-2D27-4EF7-AFED-D0940E0D7738}" type="datetimeFigureOut">
               <a:rPr kumimoji="1" lang="ja-JP" altLang="en-US" smtClean="0"/>
-              <a:t>2020/11/23</a:t>
+              <a:t>2020/11/29</a:t>
             </a:fld>
             <a:endParaRPr kumimoji="1" lang="ja-JP" altLang="en-US"/>
           </a:p>
@@ -2189,7 +2189,7 @@
           <a:p>
             <a:fld id="{EA6D781E-2D27-4EF7-AFED-D0940E0D7738}" type="datetimeFigureOut">
               <a:rPr kumimoji="1" lang="ja-JP" altLang="en-US" smtClean="0"/>
-              <a:t>2020/11/23</a:t>
+              <a:t>2020/11/29</a:t>
             </a:fld>
             <a:endParaRPr kumimoji="1" lang="ja-JP" altLang="en-US"/>
           </a:p>
@@ -2302,7 +2302,7 @@
           <a:p>
             <a:fld id="{EA6D781E-2D27-4EF7-AFED-D0940E0D7738}" type="datetimeFigureOut">
               <a:rPr kumimoji="1" lang="ja-JP" altLang="en-US" smtClean="0"/>
-              <a:t>2020/11/23</a:t>
+              <a:t>2020/11/29</a:t>
             </a:fld>
             <a:endParaRPr kumimoji="1" lang="ja-JP" altLang="en-US"/>
           </a:p>
@@ -2645,7 +2645,7 @@
           <a:p>
             <a:fld id="{EA6D781E-2D27-4EF7-AFED-D0940E0D7738}" type="datetimeFigureOut">
               <a:rPr kumimoji="1" lang="ja-JP" altLang="en-US" smtClean="0"/>
-              <a:t>2020/11/23</a:t>
+              <a:t>2020/11/29</a:t>
             </a:fld>
             <a:endParaRPr kumimoji="1" lang="ja-JP" altLang="en-US"/>
           </a:p>
@@ -2933,7 +2933,7 @@
           <a:p>
             <a:fld id="{EA6D781E-2D27-4EF7-AFED-D0940E0D7738}" type="datetimeFigureOut">
               <a:rPr kumimoji="1" lang="ja-JP" altLang="en-US" smtClean="0"/>
-              <a:t>2020/11/23</a:t>
+              <a:t>2020/11/29</a:t>
             </a:fld>
             <a:endParaRPr kumimoji="1" lang="ja-JP" altLang="en-US"/>
           </a:p>
@@ -3206,7 +3206,7 @@
           <a:p>
             <a:fld id="{EA6D781E-2D27-4EF7-AFED-D0940E0D7738}" type="datetimeFigureOut">
               <a:rPr kumimoji="1" lang="ja-JP" altLang="en-US" smtClean="0"/>
-              <a:t>2020/11/23</a:t>
+              <a:t>2020/11/29</a:t>
             </a:fld>
             <a:endParaRPr kumimoji="1" lang="ja-JP" altLang="en-US"/>
           </a:p>
@@ -16731,7 +16731,7 @@
                 </a:solidFill>
                 <a:latin typeface="+mn-ea"/>
               </a:rPr>
-              <a:t>100+200+50</a:t>
+              <a:t>100+250+50</a:t>
             </a:r>
             <a:endParaRPr kumimoji="1" lang="ja-JP" altLang="en-US" sz="2400" b="1" dirty="0">
               <a:solidFill>
@@ -17023,7 +17023,7 @@
                 </a:solidFill>
                 <a:latin typeface="+mn-ea"/>
               </a:rPr>
-              <a:t>100+200+100</a:t>
+              <a:t>100+250+100</a:t>
             </a:r>
             <a:endParaRPr kumimoji="1" lang="ja-JP" altLang="en-US" sz="2400" b="1" dirty="0">
               <a:solidFill>
@@ -17169,7 +17169,7 @@
                 </a:solidFill>
                 <a:latin typeface="+mn-ea"/>
               </a:rPr>
-              <a:t>100+150+100</a:t>
+              <a:t>100+250+100</a:t>
             </a:r>
           </a:p>
           <a:p>
